--- a/sample_ppt/math_simple.pptx
+++ b/sample_ppt/math_simple.pptx
@@ -206,7 +206,7 @@
           <a:p>
             <a:fld id="{6AF810A6-5DC3-41BA-B9AF-1AFC43B9B844}" type="datetimeFigureOut">
               <a:rPr lang="ko-KR" altLang="en-US" smtClean="0"/>
-              <a:t>2026-01-05</a:t>
+              <a:t>2026-01-12</a:t>
             </a:fld>
             <a:endParaRPr lang="ko-KR" altLang="en-US"/>
           </a:p>
@@ -952,7 +952,7 @@
           <a:p>
             <a:fld id="{5089586E-BD85-40F7-91D0-2D30F22E1420}" type="datetime1">
               <a:rPr lang="ko-KR" altLang="en-US" smtClean="0"/>
-              <a:t>2026-01-05</a:t>
+              <a:t>2026-01-12</a:t>
             </a:fld>
             <a:endParaRPr lang="ko-KR" altLang="en-US"/>
           </a:p>
@@ -1150,7 +1150,7 @@
           <a:p>
             <a:fld id="{227C3C5F-4006-4632-B3DE-1A450914749C}" type="datetime1">
               <a:rPr lang="ko-KR" altLang="en-US" smtClean="0"/>
-              <a:t>2026-01-05</a:t>
+              <a:t>2026-01-12</a:t>
             </a:fld>
             <a:endParaRPr lang="ko-KR" altLang="en-US"/>
           </a:p>
@@ -1358,7 +1358,7 @@
           <a:p>
             <a:fld id="{DC02F847-FBC0-40A1-9801-1A7F5DBD685C}" type="datetime1">
               <a:rPr lang="ko-KR" altLang="en-US" smtClean="0"/>
-              <a:t>2026-01-05</a:t>
+              <a:t>2026-01-12</a:t>
             </a:fld>
             <a:endParaRPr lang="ko-KR" altLang="en-US"/>
           </a:p>
@@ -1616,7 +1616,7 @@
           <a:p>
             <a:fld id="{7C69DA4C-6DB5-4971-83A0-D7A667832670}" type="datetime1">
               <a:rPr lang="ko-KR" altLang="en-US" smtClean="0"/>
-              <a:t>2026-01-05</a:t>
+              <a:t>2026-01-12</a:t>
             </a:fld>
             <a:endParaRPr lang="ko-KR" altLang="en-US" dirty="0"/>
           </a:p>
@@ -1901,7 +1901,7 @@
           <a:p>
             <a:fld id="{A445D7E9-20A9-49C9-9C3A-2ABAF3661646}" type="datetime1">
               <a:rPr lang="ko-KR" altLang="en-US" smtClean="0"/>
-              <a:t>2026-01-05</a:t>
+              <a:t>2026-01-12</a:t>
             </a:fld>
             <a:endParaRPr lang="ko-KR" altLang="en-US"/>
           </a:p>
@@ -2166,7 +2166,7 @@
           <a:p>
             <a:fld id="{624A77D6-389E-4385-B919-32520EBBB886}" type="datetime1">
               <a:rPr lang="ko-KR" altLang="en-US" smtClean="0"/>
-              <a:t>2026-01-05</a:t>
+              <a:t>2026-01-12</a:t>
             </a:fld>
             <a:endParaRPr lang="ko-KR" altLang="en-US"/>
           </a:p>
@@ -2578,7 +2578,7 @@
           <a:p>
             <a:fld id="{359C83EB-4379-4C4A-A729-83BED85011BC}" type="datetime1">
               <a:rPr lang="ko-KR" altLang="en-US" smtClean="0"/>
-              <a:t>2026-01-05</a:t>
+              <a:t>2026-01-12</a:t>
             </a:fld>
             <a:endParaRPr lang="ko-KR" altLang="en-US"/>
           </a:p>
@@ -2719,7 +2719,7 @@
           <a:p>
             <a:fld id="{5545A2FA-8E15-452C-BCBA-7138BF312C2F}" type="datetime1">
               <a:rPr lang="ko-KR" altLang="en-US" smtClean="0"/>
-              <a:t>2026-01-05</a:t>
+              <a:t>2026-01-12</a:t>
             </a:fld>
             <a:endParaRPr lang="ko-KR" altLang="en-US"/>
           </a:p>
@@ -2832,7 +2832,7 @@
           <a:p>
             <a:fld id="{DC176177-E219-4A9E-8B2B-5E34E3322412}" type="datetime1">
               <a:rPr lang="ko-KR" altLang="en-US" smtClean="0"/>
-              <a:t>2026-01-05</a:t>
+              <a:t>2026-01-12</a:t>
             </a:fld>
             <a:endParaRPr lang="ko-KR" altLang="en-US"/>
           </a:p>
@@ -3143,7 +3143,7 @@
           <a:p>
             <a:fld id="{05B36191-433A-4CBD-B79B-1FD571FC08F0}" type="datetime1">
               <a:rPr lang="ko-KR" altLang="en-US" smtClean="0"/>
-              <a:t>2026-01-05</a:t>
+              <a:t>2026-01-12</a:t>
             </a:fld>
             <a:endParaRPr lang="ko-KR" altLang="en-US"/>
           </a:p>
@@ -3431,7 +3431,7 @@
           <a:p>
             <a:fld id="{92B00B89-E558-46DB-9986-9528BDBC138C}" type="datetime1">
               <a:rPr lang="ko-KR" altLang="en-US" smtClean="0"/>
-              <a:t>2026-01-05</a:t>
+              <a:t>2026-01-12</a:t>
             </a:fld>
             <a:endParaRPr lang="ko-KR" altLang="en-US"/>
           </a:p>
@@ -3672,7 +3672,7 @@
           <a:p>
             <a:fld id="{3027570D-6A7A-4AF9-B8FF-A0876744ADD1}" type="datetime1">
               <a:rPr lang="ko-KR" altLang="en-US" smtClean="0"/>
-              <a:t>2026-01-05</a:t>
+              <a:t>2026-01-12</a:t>
             </a:fld>
             <a:endParaRPr lang="ko-KR" altLang="en-US"/>
           </a:p>

--- a/sample_ppt/math_simple.pptx
+++ b/sample_ppt/math_simple.pptx
@@ -14,8 +14,8 @@
     <p:sldId id="258" r:id="rId5"/>
     <p:sldId id="259" r:id="rId6"/>
     <p:sldId id="260" r:id="rId7"/>
-    <p:sldId id="262" r:id="rId8"/>
-    <p:sldId id="264" r:id="rId9"/>
+    <p:sldId id="264" r:id="rId8"/>
+    <p:sldId id="262" r:id="rId9"/>
     <p:sldId id="263" r:id="rId10"/>
     <p:sldId id="266" r:id="rId11"/>
   </p:sldIdLst>
@@ -206,7 +206,7 @@
           <a:p>
             <a:fld id="{6AF810A6-5DC3-41BA-B9AF-1AFC43B9B844}" type="datetimeFigureOut">
               <a:rPr lang="ko-KR" altLang="en-US" smtClean="0"/>
-              <a:t>2026-01-12</a:t>
+              <a:t>2026-01-16</a:t>
             </a:fld>
             <a:endParaRPr lang="ko-KR" altLang="en-US"/>
           </a:p>
@@ -562,7 +562,7 @@
           <a:p>
             <a:fld id="{93FC2483-6890-482E-AC53-D876A7EA6DC4}" type="slidenum">
               <a:rPr lang="ko-KR" altLang="en-US" smtClean="0"/>
-              <a:t>8</a:t>
+              <a:t>7</a:t>
             </a:fld>
             <a:endParaRPr lang="ko-KR" altLang="en-US"/>
           </a:p>
@@ -952,7 +952,7 @@
           <a:p>
             <a:fld id="{5089586E-BD85-40F7-91D0-2D30F22E1420}" type="datetime1">
               <a:rPr lang="ko-KR" altLang="en-US" smtClean="0"/>
-              <a:t>2026-01-12</a:t>
+              <a:t>2026-01-16</a:t>
             </a:fld>
             <a:endParaRPr lang="ko-KR" altLang="en-US"/>
           </a:p>
@@ -1150,7 +1150,7 @@
           <a:p>
             <a:fld id="{227C3C5F-4006-4632-B3DE-1A450914749C}" type="datetime1">
               <a:rPr lang="ko-KR" altLang="en-US" smtClean="0"/>
-              <a:t>2026-01-12</a:t>
+              <a:t>2026-01-16</a:t>
             </a:fld>
             <a:endParaRPr lang="ko-KR" altLang="en-US"/>
           </a:p>
@@ -1358,7 +1358,7 @@
           <a:p>
             <a:fld id="{DC02F847-FBC0-40A1-9801-1A7F5DBD685C}" type="datetime1">
               <a:rPr lang="ko-KR" altLang="en-US" smtClean="0"/>
-              <a:t>2026-01-12</a:t>
+              <a:t>2026-01-16</a:t>
             </a:fld>
             <a:endParaRPr lang="ko-KR" altLang="en-US"/>
           </a:p>
@@ -1616,7 +1616,7 @@
           <a:p>
             <a:fld id="{7C69DA4C-6DB5-4971-83A0-D7A667832670}" type="datetime1">
               <a:rPr lang="ko-KR" altLang="en-US" smtClean="0"/>
-              <a:t>2026-01-12</a:t>
+              <a:t>2026-01-16</a:t>
             </a:fld>
             <a:endParaRPr lang="ko-KR" altLang="en-US" dirty="0"/>
           </a:p>
@@ -1901,7 +1901,7 @@
           <a:p>
             <a:fld id="{A445D7E9-20A9-49C9-9C3A-2ABAF3661646}" type="datetime1">
               <a:rPr lang="ko-KR" altLang="en-US" smtClean="0"/>
-              <a:t>2026-01-12</a:t>
+              <a:t>2026-01-16</a:t>
             </a:fld>
             <a:endParaRPr lang="ko-KR" altLang="en-US"/>
           </a:p>
@@ -2166,7 +2166,7 @@
           <a:p>
             <a:fld id="{624A77D6-389E-4385-B919-32520EBBB886}" type="datetime1">
               <a:rPr lang="ko-KR" altLang="en-US" smtClean="0"/>
-              <a:t>2026-01-12</a:t>
+              <a:t>2026-01-16</a:t>
             </a:fld>
             <a:endParaRPr lang="ko-KR" altLang="en-US"/>
           </a:p>
@@ -2578,7 +2578,7 @@
           <a:p>
             <a:fld id="{359C83EB-4379-4C4A-A729-83BED85011BC}" type="datetime1">
               <a:rPr lang="ko-KR" altLang="en-US" smtClean="0"/>
-              <a:t>2026-01-12</a:t>
+              <a:t>2026-01-16</a:t>
             </a:fld>
             <a:endParaRPr lang="ko-KR" altLang="en-US"/>
           </a:p>
@@ -2719,7 +2719,7 @@
           <a:p>
             <a:fld id="{5545A2FA-8E15-452C-BCBA-7138BF312C2F}" type="datetime1">
               <a:rPr lang="ko-KR" altLang="en-US" smtClean="0"/>
-              <a:t>2026-01-12</a:t>
+              <a:t>2026-01-16</a:t>
             </a:fld>
             <a:endParaRPr lang="ko-KR" altLang="en-US"/>
           </a:p>
@@ -2832,7 +2832,7 @@
           <a:p>
             <a:fld id="{DC176177-E219-4A9E-8B2B-5E34E3322412}" type="datetime1">
               <a:rPr lang="ko-KR" altLang="en-US" smtClean="0"/>
-              <a:t>2026-01-12</a:t>
+              <a:t>2026-01-16</a:t>
             </a:fld>
             <a:endParaRPr lang="ko-KR" altLang="en-US"/>
           </a:p>
@@ -3143,7 +3143,7 @@
           <a:p>
             <a:fld id="{05B36191-433A-4CBD-B79B-1FD571FC08F0}" type="datetime1">
               <a:rPr lang="ko-KR" altLang="en-US" smtClean="0"/>
-              <a:t>2026-01-12</a:t>
+              <a:t>2026-01-16</a:t>
             </a:fld>
             <a:endParaRPr lang="ko-KR" altLang="en-US"/>
           </a:p>
@@ -3431,7 +3431,7 @@
           <a:p>
             <a:fld id="{92B00B89-E558-46DB-9986-9528BDBC138C}" type="datetime1">
               <a:rPr lang="ko-KR" altLang="en-US" smtClean="0"/>
-              <a:t>2026-01-12</a:t>
+              <a:t>2026-01-16</a:t>
             </a:fld>
             <a:endParaRPr lang="ko-KR" altLang="en-US"/>
           </a:p>
@@ -3672,7 +3672,7 @@
           <a:p>
             <a:fld id="{3027570D-6A7A-4AF9-B8FF-A0876744ADD1}" type="datetime1">
               <a:rPr lang="ko-KR" altLang="en-US" smtClean="0"/>
-              <a:t>2026-01-12</a:t>
+              <a:t>2026-01-16</a:t>
             </a:fld>
             <a:endParaRPr lang="ko-KR" altLang="en-US"/>
           </a:p>
@@ -4776,9 +4776,8 @@
           <a:bodyPr/>
           <a:lstStyle/>
           <a:p>
-            <a:pPr>
-              <a:buFontTx/>
-              <a:buChar char="-"/>
+            <a:pPr marL="0" indent="0">
+              <a:buNone/>
             </a:pPr>
             <a:r>
               <a:rPr lang="en-US" altLang="ko-KR" b="1" dirty="0"/>
@@ -4798,9 +4797,8 @@
             </a:r>
           </a:p>
           <a:p>
-            <a:pPr>
-              <a:buFontTx/>
-              <a:buChar char="-"/>
+            <a:pPr marL="0" indent="0">
+              <a:buNone/>
             </a:pPr>
             <a:r>
               <a:rPr lang="en-US" altLang="ko-KR" b="1" dirty="0"/>
@@ -4812,9 +4810,8 @@
             </a:r>
           </a:p>
           <a:p>
-            <a:pPr>
-              <a:buFontTx/>
-              <a:buChar char="-"/>
+            <a:pPr marL="0" indent="0">
+              <a:buNone/>
             </a:pPr>
             <a:r>
               <a:rPr lang="en-US" altLang="ko-KR" b="1" dirty="0"/>
@@ -4954,9 +4951,8 @@
           <a:bodyPr/>
           <a:lstStyle/>
           <a:p>
-            <a:pPr>
-              <a:buFontTx/>
-              <a:buChar char="-"/>
+            <a:pPr marL="0" indent="0">
+              <a:buNone/>
             </a:pPr>
             <a:r>
               <a:rPr lang="en-US" altLang="ko-KR" b="1" dirty="0"/>
@@ -4976,9 +4972,8 @@
             </a:r>
           </a:p>
           <a:p>
-            <a:pPr>
-              <a:buFontTx/>
-              <a:buChar char="-"/>
+            <a:pPr marL="0" indent="0">
+              <a:buNone/>
             </a:pPr>
             <a:r>
               <a:rPr lang="en-US" altLang="ko-KR" b="1" dirty="0"/>
@@ -4990,9 +4985,8 @@
             </a:r>
           </a:p>
           <a:p>
-            <a:pPr>
-              <a:buFontTx/>
-              <a:buChar char="-"/>
+            <a:pPr marL="0" indent="0">
+              <a:buNone/>
             </a:pPr>
             <a:r>
               <a:rPr lang="en-US" altLang="ko-KR" b="1" dirty="0"/>
@@ -6838,7 +6832,7 @@
         </p:nvSpPr>
         <p:spPr>
           <a:xfrm>
-            <a:off x="2724150" y="2766623"/>
+            <a:off x="2333625" y="2766623"/>
             <a:ext cx="8742484" cy="437440"/>
           </a:xfrm>
           <a:prstGeom prst="rect">
@@ -7209,6 +7203,440 @@
         <p:cNvPr id="1" name="">
           <a:extLst>
             <a:ext uri="{FF2B5EF4-FFF2-40B4-BE49-F238E27FC236}">
+              <a16:creationId xmlns:a16="http://schemas.microsoft.com/office/drawing/2014/main" id="{2A78F9E3-7C07-A00F-D36A-7A650F3E34F7}"/>
+            </a:ext>
+          </a:extLst>
+        </p:cNvPr>
+        <p:cNvGrpSpPr/>
+        <p:nvPr/>
+      </p:nvGrpSpPr>
+      <p:grpSpPr>
+        <a:xfrm>
+          <a:off x="0" y="0"/>
+          <a:ext cx="0" cy="0"/>
+          <a:chOff x="0" y="0"/>
+          <a:chExt cx="0" cy="0"/>
+        </a:xfrm>
+      </p:grpSpPr>
+      <p:sp>
+        <p:nvSpPr>
+          <p:cNvPr id="2" name="제목 1">
+            <a:extLst>
+              <a:ext uri="{FF2B5EF4-FFF2-40B4-BE49-F238E27FC236}">
+                <a16:creationId xmlns:a16="http://schemas.microsoft.com/office/drawing/2014/main" id="{98B53871-AF44-6F0E-7C84-093150146BDA}"/>
+              </a:ext>
+            </a:extLst>
+          </p:cNvPr>
+          <p:cNvSpPr>
+            <a:spLocks noGrp="1"/>
+          </p:cNvSpPr>
+          <p:nvPr>
+            <p:ph type="title"/>
+          </p:nvPr>
+        </p:nvSpPr>
+        <p:spPr/>
+        <p:txBody>
+          <a:bodyPr/>
+          <a:lstStyle/>
+          <a:p>
+            <a:r>
+              <a:rPr lang="en-US" altLang="ko-KR" dirty="0"/>
+              <a:t>Linear equation and system</a:t>
+            </a:r>
+            <a:endParaRPr lang="ko-KR" altLang="en-US" dirty="0"/>
+          </a:p>
+        </p:txBody>
+      </p:sp>
+      <p:sp>
+        <p:nvSpPr>
+          <p:cNvPr id="3" name="내용 개체 틀 2">
+            <a:extLst>
+              <a:ext uri="{FF2B5EF4-FFF2-40B4-BE49-F238E27FC236}">
+                <a16:creationId xmlns:a16="http://schemas.microsoft.com/office/drawing/2014/main" id="{215D95E7-6EAC-A61B-53F1-649B4B159290}"/>
+              </a:ext>
+            </a:extLst>
+          </p:cNvPr>
+          <p:cNvSpPr>
+            <a:spLocks noGrp="1"/>
+          </p:cNvSpPr>
+          <p:nvPr>
+            <p:ph idx="1"/>
+          </p:nvPr>
+        </p:nvSpPr>
+        <p:spPr>
+          <a:xfrm>
+            <a:off x="342899" y="967155"/>
+            <a:ext cx="11333285" cy="437440"/>
+          </a:xfrm>
+        </p:spPr>
+        <p:txBody>
+          <a:bodyPr>
+            <a:normAutofit/>
+          </a:bodyPr>
+          <a:lstStyle/>
+          <a:p>
+            <a:pPr marL="0" indent="0">
+              <a:buNone/>
+            </a:pPr>
+            <a:r>
+              <a:rPr lang="en-US" altLang="ko-KR" dirty="0"/>
+              <a:t>- </a:t>
+            </a:r>
+            <a:r>
+              <a:rPr lang="en-US" altLang="ko-KR" b="1" dirty="0"/>
+              <a:t>Linear system</a:t>
+            </a:r>
+            <a:r>
+              <a:rPr lang="en-US" altLang="ko-KR" dirty="0"/>
+              <a:t>: a set of linear equation involving the same variables</a:t>
+            </a:r>
+          </a:p>
+          <a:p>
+            <a:pPr marL="0" indent="0">
+              <a:buNone/>
+            </a:pPr>
+            <a:endParaRPr lang="ko-KR" altLang="en-US" dirty="0"/>
+          </a:p>
+        </p:txBody>
+      </p:sp>
+      <p:sp>
+        <p:nvSpPr>
+          <p:cNvPr id="4" name="슬라이드 번호 개체 틀 3">
+            <a:extLst>
+              <a:ext uri="{FF2B5EF4-FFF2-40B4-BE49-F238E27FC236}">
+                <a16:creationId xmlns:a16="http://schemas.microsoft.com/office/drawing/2014/main" id="{68C29211-0FD2-80BA-E404-A6FFA677D583}"/>
+              </a:ext>
+            </a:extLst>
+          </p:cNvPr>
+          <p:cNvSpPr>
+            <a:spLocks noGrp="1"/>
+          </p:cNvSpPr>
+          <p:nvPr>
+            <p:ph type="sldNum" sz="quarter" idx="12"/>
+          </p:nvPr>
+        </p:nvSpPr>
+        <p:spPr/>
+        <p:txBody>
+          <a:bodyPr/>
+          <a:lstStyle/>
+          <a:p>
+            <a:fld id="{9A9ABDE6-F26C-4589-9FF5-7FFDDB9572E4}" type="slidenum">
+              <a:rPr lang="ko-KR" altLang="en-US" smtClean="0"/>
+              <a:t>7</a:t>
+            </a:fld>
+            <a:endParaRPr lang="ko-KR" altLang="en-US"/>
+          </a:p>
+        </p:txBody>
+      </p:sp>
+      <p:pic>
+        <p:nvPicPr>
+          <p:cNvPr id="5124" name="Picture 4">
+            <a:extLst>
+              <a:ext uri="{FF2B5EF4-FFF2-40B4-BE49-F238E27FC236}">
+                <a16:creationId xmlns:a16="http://schemas.microsoft.com/office/drawing/2014/main" id="{9EEB4B36-8184-DEF8-B751-D09FB4DC5CE7}"/>
+              </a:ext>
+            </a:extLst>
+          </p:cNvPr>
+          <p:cNvPicPr>
+            <a:picLocks noChangeAspect="1" noChangeArrowheads="1"/>
+          </p:cNvPicPr>
+          <p:nvPr/>
+        </p:nvPicPr>
+        <p:blipFill>
+          <a:blip r:embed="rId3">
+            <a:extLst>
+              <a:ext uri="{28A0092B-C50C-407E-A947-70E740481C1C}">
+                <a14:useLocalDpi xmlns:a14="http://schemas.microsoft.com/office/drawing/2010/main" val="0"/>
+              </a:ext>
+            </a:extLst>
+          </a:blip>
+          <a:srcRect/>
+          <a:stretch>
+            <a:fillRect/>
+          </a:stretch>
+        </p:blipFill>
+        <p:spPr bwMode="auto">
+          <a:xfrm>
+            <a:off x="9018015" y="1081100"/>
+            <a:ext cx="1885950" cy="209550"/>
+          </a:xfrm>
+          <a:prstGeom prst="rect">
+            <a:avLst/>
+          </a:prstGeom>
+          <a:noFill/>
+          <a:extLst>
+            <a:ext uri="{909E8E84-426E-40DD-AFC4-6F175D3DCCD1}">
+              <a14:hiddenFill xmlns:a14="http://schemas.microsoft.com/office/drawing/2010/main">
+                <a:solidFill>
+                  <a:srgbClr val="FFFFFF"/>
+                </a:solidFill>
+              </a14:hiddenFill>
+            </a:ext>
+          </a:extLst>
+        </p:spPr>
+      </p:pic>
+      <p:grpSp>
+        <p:nvGrpSpPr>
+          <p:cNvPr id="5" name="그룹 4">
+            <a:extLst>
+              <a:ext uri="{FF2B5EF4-FFF2-40B4-BE49-F238E27FC236}">
+                <a16:creationId xmlns:a16="http://schemas.microsoft.com/office/drawing/2014/main" id="{469555EC-D5DC-9AB6-8FA8-1DC1CBD8701A}"/>
+              </a:ext>
+            </a:extLst>
+          </p:cNvPr>
+          <p:cNvGrpSpPr/>
+          <p:nvPr/>
+        </p:nvGrpSpPr>
+        <p:grpSpPr>
+          <a:xfrm>
+            <a:off x="1781019" y="2107505"/>
+            <a:ext cx="8523909" cy="1352550"/>
+            <a:chOff x="1438118" y="2012255"/>
+            <a:chExt cx="8523909" cy="1352550"/>
+          </a:xfrm>
+        </p:grpSpPr>
+        <p:pic>
+          <p:nvPicPr>
+            <p:cNvPr id="5128" name="Picture 8">
+              <a:extLst>
+                <a:ext uri="{FF2B5EF4-FFF2-40B4-BE49-F238E27FC236}">
+                  <a16:creationId xmlns:a16="http://schemas.microsoft.com/office/drawing/2014/main" id="{7EBF7802-76F1-59AC-5BBD-D783F748CC13}"/>
+                </a:ext>
+              </a:extLst>
+            </p:cNvPr>
+            <p:cNvPicPr>
+              <a:picLocks noChangeAspect="1" noChangeArrowheads="1"/>
+            </p:cNvPicPr>
+            <p:nvPr/>
+          </p:nvPicPr>
+          <p:blipFill>
+            <a:blip r:embed="rId4">
+              <a:extLst>
+                <a:ext uri="{28A0092B-C50C-407E-A947-70E740481C1C}">
+                  <a14:useLocalDpi xmlns:a14="http://schemas.microsoft.com/office/drawing/2010/main" val="0"/>
+                </a:ext>
+              </a:extLst>
+            </a:blip>
+            <a:srcRect/>
+            <a:stretch>
+              <a:fillRect/>
+            </a:stretch>
+          </p:blipFill>
+          <p:spPr bwMode="auto">
+            <a:xfrm>
+              <a:off x="1438118" y="2012255"/>
+              <a:ext cx="3629025" cy="1352550"/>
+            </a:xfrm>
+            <a:prstGeom prst="rect">
+              <a:avLst/>
+            </a:prstGeom>
+            <a:noFill/>
+            <a:extLst>
+              <a:ext uri="{909E8E84-426E-40DD-AFC4-6F175D3DCCD1}">
+                <a14:hiddenFill xmlns:a14="http://schemas.microsoft.com/office/drawing/2010/main">
+                  <a:solidFill>
+                    <a:srgbClr val="FFFFFF"/>
+                  </a:solidFill>
+                </a14:hiddenFill>
+              </a:ext>
+            </a:extLst>
+          </p:spPr>
+        </p:pic>
+        <p:pic>
+          <p:nvPicPr>
+            <p:cNvPr id="7172" name="Picture 4">
+              <a:extLst>
+                <a:ext uri="{FF2B5EF4-FFF2-40B4-BE49-F238E27FC236}">
+                  <a16:creationId xmlns:a16="http://schemas.microsoft.com/office/drawing/2014/main" id="{B58DB94D-5FC6-ECA0-8850-5979B0521F51}"/>
+                </a:ext>
+              </a:extLst>
+            </p:cNvPr>
+            <p:cNvPicPr>
+              <a:picLocks noChangeAspect="1" noChangeArrowheads="1"/>
+            </p:cNvPicPr>
+            <p:nvPr/>
+          </p:nvPicPr>
+          <p:blipFill>
+            <a:blip r:embed="rId5">
+              <a:extLst>
+                <a:ext uri="{28A0092B-C50C-407E-A947-70E740481C1C}">
+                  <a14:useLocalDpi xmlns:a14="http://schemas.microsoft.com/office/drawing/2010/main" val="0"/>
+                </a:ext>
+              </a:extLst>
+            </a:blip>
+            <a:srcRect/>
+            <a:stretch>
+              <a:fillRect/>
+            </a:stretch>
+          </p:blipFill>
+          <p:spPr bwMode="auto">
+            <a:xfrm>
+              <a:off x="6149025" y="2107505"/>
+              <a:ext cx="1343025" cy="1162050"/>
+            </a:xfrm>
+            <a:prstGeom prst="rect">
+              <a:avLst/>
+            </a:prstGeom>
+            <a:noFill/>
+            <a:extLst>
+              <a:ext uri="{909E8E84-426E-40DD-AFC4-6F175D3DCCD1}">
+                <a14:hiddenFill xmlns:a14="http://schemas.microsoft.com/office/drawing/2010/main">
+                  <a:solidFill>
+                    <a:srgbClr val="FFFFFF"/>
+                  </a:solidFill>
+                </a14:hiddenFill>
+              </a:ext>
+            </a:extLst>
+          </p:spPr>
+        </p:pic>
+        <p:pic>
+          <p:nvPicPr>
+            <p:cNvPr id="7174" name="Picture 6">
+              <a:extLst>
+                <a:ext uri="{FF2B5EF4-FFF2-40B4-BE49-F238E27FC236}">
+                  <a16:creationId xmlns:a16="http://schemas.microsoft.com/office/drawing/2014/main" id="{0AC58A0F-4FE6-0242-3BF1-9A2DB1BA2BEB}"/>
+                </a:ext>
+              </a:extLst>
+            </p:cNvPr>
+            <p:cNvPicPr>
+              <a:picLocks noChangeAspect="1" noChangeArrowheads="1"/>
+            </p:cNvPicPr>
+            <p:nvPr/>
+          </p:nvPicPr>
+          <p:blipFill>
+            <a:blip r:embed="rId6">
+              <a:extLst>
+                <a:ext uri="{28A0092B-C50C-407E-A947-70E740481C1C}">
+                  <a14:useLocalDpi xmlns:a14="http://schemas.microsoft.com/office/drawing/2010/main" val="0"/>
+                </a:ext>
+              </a:extLst>
+            </a:blip>
+            <a:srcRect/>
+            <a:stretch/>
+          </p:blipFill>
+          <p:spPr bwMode="auto">
+            <a:xfrm>
+              <a:off x="8573932" y="2088455"/>
+              <a:ext cx="1388095" cy="1181100"/>
+            </a:xfrm>
+            <a:prstGeom prst="rect">
+              <a:avLst/>
+            </a:prstGeom>
+            <a:noFill/>
+            <a:extLst>
+              <a:ext uri="{909E8E84-426E-40DD-AFC4-6F175D3DCCD1}">
+                <a14:hiddenFill xmlns:a14="http://schemas.microsoft.com/office/drawing/2010/main">
+                  <a:solidFill>
+                    <a:srgbClr val="FFFFFF"/>
+                  </a:solidFill>
+                </a14:hiddenFill>
+              </a:ext>
+            </a:extLst>
+          </p:spPr>
+        </p:pic>
+      </p:grpSp>
+      <p:sp>
+        <p:nvSpPr>
+          <p:cNvPr id="6" name="Rectangle 5">
+            <a:extLst>
+              <a:ext uri="{FF2B5EF4-FFF2-40B4-BE49-F238E27FC236}">
+                <a16:creationId xmlns:a16="http://schemas.microsoft.com/office/drawing/2014/main" id="{28061F10-38F5-9C05-7E3A-404A5AD1AF61}"/>
+              </a:ext>
+            </a:extLst>
+          </p:cNvPr>
+          <p:cNvSpPr/>
+          <p:nvPr/>
+        </p:nvSpPr>
+        <p:spPr>
+          <a:xfrm>
+            <a:off x="3432919" y="4535424"/>
+            <a:ext cx="4300292" cy="1128631"/>
+          </a:xfrm>
+          <a:prstGeom prst="rect">
+            <a:avLst/>
+          </a:prstGeom>
+        </p:spPr>
+        <p:style>
+          <a:lnRef idx="2">
+            <a:schemeClr val="accent1">
+              <a:shade val="15000"/>
+            </a:schemeClr>
+          </a:lnRef>
+          <a:fillRef idx="1">
+            <a:schemeClr val="accent1"/>
+          </a:fillRef>
+          <a:effectRef idx="0">
+            <a:schemeClr val="accent1"/>
+          </a:effectRef>
+          <a:fontRef idx="minor">
+            <a:schemeClr val="lt1"/>
+          </a:fontRef>
+        </p:style>
+        <p:txBody>
+          <a:bodyPr rtlCol="0" anchor="ctr"/>
+          <a:lstStyle/>
+          <a:p>
+            <a:pPr algn="ctr"/>
+            <a:endParaRPr lang="en-US" dirty="0"/>
+          </a:p>
+        </p:txBody>
+      </p:sp>
+      <p:sp>
+        <p:nvSpPr>
+          <p:cNvPr id="7" name="TextBox 6">
+            <a:extLst>
+              <a:ext uri="{FF2B5EF4-FFF2-40B4-BE49-F238E27FC236}">
+                <a16:creationId xmlns:a16="http://schemas.microsoft.com/office/drawing/2014/main" id="{873D8D93-4C9D-0145-BF98-2B199ABA23D5}"/>
+              </a:ext>
+            </a:extLst>
+          </p:cNvPr>
+          <p:cNvSpPr txBox="1"/>
+          <p:nvPr/>
+        </p:nvSpPr>
+        <p:spPr>
+          <a:xfrm>
+            <a:off x="2131858" y="4591907"/>
+            <a:ext cx="7153221" cy="1015663"/>
+          </a:xfrm>
+          <a:prstGeom prst="rect">
+            <a:avLst/>
+          </a:prstGeom>
+          <a:noFill/>
+        </p:spPr>
+        <p:txBody>
+          <a:bodyPr wrap="square" rtlCol="0">
+            <a:spAutoFit/>
+          </a:bodyPr>
+          <a:lstStyle/>
+          <a:p>
+            <a:r>
+              <a:rPr lang="en-US" sz="1200" dirty="0"/>
+              <a:t>TESTING TEXT OVERFLOW TESTING TEXT OVERFLOW TESTING TEXT OVERFLOWTESTING TEXT OVERFLOW TESTING TEXT OVERFLOW TESTING TEXT OVERFLOWTESTING TEXT OVERFLOW TESTING TEXT OVERFLOW TESTING TEXT OVERFLOWTESTING TEXT OVERFLOW TESTING TEXT OVERFLOW TESTING TEXT OVERFLOWTESTING TEXT OVERFLOW TESTING TEXT OVERFLOW TESTING TEXT OVERFLOWTESTING TEXT OVERFLOW TESTING TEXT OVERFLOW TESTING TEXT OVERFLOW</a:t>
+            </a:r>
+          </a:p>
+        </p:txBody>
+      </p:sp>
+    </p:spTree>
+    <p:extLst>
+      <p:ext uri="{BB962C8B-B14F-4D97-AF65-F5344CB8AC3E}">
+        <p14:creationId xmlns:p14="http://schemas.microsoft.com/office/powerpoint/2010/main" val="4072107092"/>
+      </p:ext>
+    </p:extLst>
+  </p:cSld>
+  <p:clrMapOvr>
+    <a:masterClrMapping/>
+  </p:clrMapOvr>
+</p:sld>
+</file>
+
+<file path=ppt/slides/slide8.xml><?xml version="1.0" encoding="utf-8"?>
+<p:sld xmlns:a="http://schemas.openxmlformats.org/drawingml/2006/main" xmlns:r="http://schemas.openxmlformats.org/officeDocument/2006/relationships" xmlns:p="http://schemas.openxmlformats.org/presentationml/2006/main">
+  <p:cSld>
+    <p:spTree>
+      <p:nvGrpSpPr>
+        <p:cNvPr id="1" name="">
+          <a:extLst>
+            <a:ext uri="{FF2B5EF4-FFF2-40B4-BE49-F238E27FC236}">
               <a16:creationId xmlns:a16="http://schemas.microsoft.com/office/drawing/2014/main" id="{170761A1-F1D9-F619-F0A4-71618B2A316C}"/>
             </a:ext>
           </a:extLst>
@@ -7271,8 +7699,8 @@
         </p:nvSpPr>
         <p:spPr>
           <a:xfrm>
-            <a:off x="342899" y="967155"/>
-            <a:ext cx="11333285" cy="437440"/>
+            <a:off x="1513996" y="967155"/>
+            <a:ext cx="8646377" cy="437440"/>
           </a:xfrm>
         </p:spPr>
         <p:txBody>
@@ -7281,7 +7709,7 @@
           </a:bodyPr>
           <a:lstStyle/>
           <a:p>
-            <a:pPr marL="0" indent="0">
+            <a:pPr marL="0" indent="0" algn="ctr">
               <a:buNone/>
             </a:pPr>
             <a:r>
@@ -7298,7 +7726,7 @@
             </a:r>
           </a:p>
           <a:p>
-            <a:pPr marL="0" indent="0">
+            <a:pPr marL="0" indent="0" algn="ctr">
               <a:buNone/>
             </a:pPr>
             <a:endParaRPr lang="ko-KR" altLang="en-US" dirty="0"/>
@@ -7328,7 +7756,7 @@
           <a:p>
             <a:fld id="{9A9ABDE6-F26C-4589-9FF5-7FFDDB9572E4}" type="slidenum">
               <a:rPr lang="ko-KR" altLang="en-US" smtClean="0"/>
-              <a:t>7</a:t>
+              <a:t>8</a:t>
             </a:fld>
             <a:endParaRPr lang="ko-KR" altLang="en-US"/>
           </a:p>
@@ -8145,359 +8573,6 @@
     <p:extLst>
       <p:ext uri="{BB962C8B-B14F-4D97-AF65-F5344CB8AC3E}">
         <p14:creationId xmlns:p14="http://schemas.microsoft.com/office/powerpoint/2010/main" val="1167953708"/>
-      </p:ext>
-    </p:extLst>
-  </p:cSld>
-  <p:clrMapOvr>
-    <a:masterClrMapping/>
-  </p:clrMapOvr>
-</p:sld>
-</file>
-
-<file path=ppt/slides/slide8.xml><?xml version="1.0" encoding="utf-8"?>
-<p:sld xmlns:a="http://schemas.openxmlformats.org/drawingml/2006/main" xmlns:r="http://schemas.openxmlformats.org/officeDocument/2006/relationships" xmlns:p="http://schemas.openxmlformats.org/presentationml/2006/main">
-  <p:cSld>
-    <p:spTree>
-      <p:nvGrpSpPr>
-        <p:cNvPr id="1" name="">
-          <a:extLst>
-            <a:ext uri="{FF2B5EF4-FFF2-40B4-BE49-F238E27FC236}">
-              <a16:creationId xmlns:a16="http://schemas.microsoft.com/office/drawing/2014/main" id="{2A78F9E3-7C07-A00F-D36A-7A650F3E34F7}"/>
-            </a:ext>
-          </a:extLst>
-        </p:cNvPr>
-        <p:cNvGrpSpPr/>
-        <p:nvPr/>
-      </p:nvGrpSpPr>
-      <p:grpSpPr>
-        <a:xfrm>
-          <a:off x="0" y="0"/>
-          <a:ext cx="0" cy="0"/>
-          <a:chOff x="0" y="0"/>
-          <a:chExt cx="0" cy="0"/>
-        </a:xfrm>
-      </p:grpSpPr>
-      <p:sp>
-        <p:nvSpPr>
-          <p:cNvPr id="2" name="제목 1">
-            <a:extLst>
-              <a:ext uri="{FF2B5EF4-FFF2-40B4-BE49-F238E27FC236}">
-                <a16:creationId xmlns:a16="http://schemas.microsoft.com/office/drawing/2014/main" id="{98B53871-AF44-6F0E-7C84-093150146BDA}"/>
-              </a:ext>
-            </a:extLst>
-          </p:cNvPr>
-          <p:cNvSpPr>
-            <a:spLocks noGrp="1"/>
-          </p:cNvSpPr>
-          <p:nvPr>
-            <p:ph type="title"/>
-          </p:nvPr>
-        </p:nvSpPr>
-        <p:spPr/>
-        <p:txBody>
-          <a:bodyPr/>
-          <a:lstStyle/>
-          <a:p>
-            <a:r>
-              <a:rPr lang="en-US" altLang="ko-KR" dirty="0"/>
-              <a:t>Linear equation and system</a:t>
-            </a:r>
-            <a:endParaRPr lang="ko-KR" altLang="en-US" dirty="0"/>
-          </a:p>
-        </p:txBody>
-      </p:sp>
-      <p:sp>
-        <p:nvSpPr>
-          <p:cNvPr id="3" name="내용 개체 틀 2">
-            <a:extLst>
-              <a:ext uri="{FF2B5EF4-FFF2-40B4-BE49-F238E27FC236}">
-                <a16:creationId xmlns:a16="http://schemas.microsoft.com/office/drawing/2014/main" id="{215D95E7-6EAC-A61B-53F1-649B4B159290}"/>
-              </a:ext>
-            </a:extLst>
-          </p:cNvPr>
-          <p:cNvSpPr>
-            <a:spLocks noGrp="1"/>
-          </p:cNvSpPr>
-          <p:nvPr>
-            <p:ph idx="1"/>
-          </p:nvPr>
-        </p:nvSpPr>
-        <p:spPr>
-          <a:xfrm>
-            <a:off x="342899" y="967155"/>
-            <a:ext cx="11333285" cy="437440"/>
-          </a:xfrm>
-        </p:spPr>
-        <p:txBody>
-          <a:bodyPr>
-            <a:normAutofit/>
-          </a:bodyPr>
-          <a:lstStyle/>
-          <a:p>
-            <a:pPr marL="0" indent="0">
-              <a:buNone/>
-            </a:pPr>
-            <a:r>
-              <a:rPr lang="en-US" altLang="ko-KR" dirty="0"/>
-              <a:t>- </a:t>
-            </a:r>
-            <a:r>
-              <a:rPr lang="en-US" altLang="ko-KR" b="1" dirty="0"/>
-              <a:t>Linear system</a:t>
-            </a:r>
-            <a:r>
-              <a:rPr lang="en-US" altLang="ko-KR" dirty="0"/>
-              <a:t>: a set of linear equation involving the same variables</a:t>
-            </a:r>
-          </a:p>
-          <a:p>
-            <a:pPr marL="0" indent="0">
-              <a:buNone/>
-            </a:pPr>
-            <a:endParaRPr lang="ko-KR" altLang="en-US" dirty="0"/>
-          </a:p>
-        </p:txBody>
-      </p:sp>
-      <p:sp>
-        <p:nvSpPr>
-          <p:cNvPr id="4" name="슬라이드 번호 개체 틀 3">
-            <a:extLst>
-              <a:ext uri="{FF2B5EF4-FFF2-40B4-BE49-F238E27FC236}">
-                <a16:creationId xmlns:a16="http://schemas.microsoft.com/office/drawing/2014/main" id="{68C29211-0FD2-80BA-E404-A6FFA677D583}"/>
-              </a:ext>
-            </a:extLst>
-          </p:cNvPr>
-          <p:cNvSpPr>
-            <a:spLocks noGrp="1"/>
-          </p:cNvSpPr>
-          <p:nvPr>
-            <p:ph type="sldNum" sz="quarter" idx="12"/>
-          </p:nvPr>
-        </p:nvSpPr>
-        <p:spPr/>
-        <p:txBody>
-          <a:bodyPr/>
-          <a:lstStyle/>
-          <a:p>
-            <a:fld id="{9A9ABDE6-F26C-4589-9FF5-7FFDDB9572E4}" type="slidenum">
-              <a:rPr lang="ko-KR" altLang="en-US" smtClean="0"/>
-              <a:t>8</a:t>
-            </a:fld>
-            <a:endParaRPr lang="ko-KR" altLang="en-US"/>
-          </a:p>
-        </p:txBody>
-      </p:sp>
-      <p:pic>
-        <p:nvPicPr>
-          <p:cNvPr id="5124" name="Picture 4">
-            <a:extLst>
-              <a:ext uri="{FF2B5EF4-FFF2-40B4-BE49-F238E27FC236}">
-                <a16:creationId xmlns:a16="http://schemas.microsoft.com/office/drawing/2014/main" id="{9EEB4B36-8184-DEF8-B751-D09FB4DC5CE7}"/>
-              </a:ext>
-            </a:extLst>
-          </p:cNvPr>
-          <p:cNvPicPr>
-            <a:picLocks noChangeAspect="1" noChangeArrowheads="1"/>
-          </p:cNvPicPr>
-          <p:nvPr/>
-        </p:nvPicPr>
-        <p:blipFill>
-          <a:blip r:embed="rId3">
-            <a:extLst>
-              <a:ext uri="{28A0092B-C50C-407E-A947-70E740481C1C}">
-                <a14:useLocalDpi xmlns:a14="http://schemas.microsoft.com/office/drawing/2010/main" val="0"/>
-              </a:ext>
-            </a:extLst>
-          </a:blip>
-          <a:srcRect/>
-          <a:stretch>
-            <a:fillRect/>
-          </a:stretch>
-        </p:blipFill>
-        <p:spPr bwMode="auto">
-          <a:xfrm>
-            <a:off x="9018015" y="1081100"/>
-            <a:ext cx="1885950" cy="209550"/>
-          </a:xfrm>
-          <a:prstGeom prst="rect">
-            <a:avLst/>
-          </a:prstGeom>
-          <a:noFill/>
-          <a:extLst>
-            <a:ext uri="{909E8E84-426E-40DD-AFC4-6F175D3DCCD1}">
-              <a14:hiddenFill xmlns:a14="http://schemas.microsoft.com/office/drawing/2010/main">
-                <a:solidFill>
-                  <a:srgbClr val="FFFFFF"/>
-                </a:solidFill>
-              </a14:hiddenFill>
-            </a:ext>
-          </a:extLst>
-        </p:spPr>
-      </p:pic>
-      <p:grpSp>
-        <p:nvGrpSpPr>
-          <p:cNvPr id="5" name="그룹 4">
-            <a:extLst>
-              <a:ext uri="{FF2B5EF4-FFF2-40B4-BE49-F238E27FC236}">
-                <a16:creationId xmlns:a16="http://schemas.microsoft.com/office/drawing/2014/main" id="{469555EC-D5DC-9AB6-8FA8-1DC1CBD8701A}"/>
-              </a:ext>
-            </a:extLst>
-          </p:cNvPr>
-          <p:cNvGrpSpPr/>
-          <p:nvPr/>
-        </p:nvGrpSpPr>
-        <p:grpSpPr>
-          <a:xfrm>
-            <a:off x="1781019" y="2107505"/>
-            <a:ext cx="8523909" cy="1352550"/>
-            <a:chOff x="1438118" y="2012255"/>
-            <a:chExt cx="8523909" cy="1352550"/>
-          </a:xfrm>
-        </p:grpSpPr>
-        <p:pic>
-          <p:nvPicPr>
-            <p:cNvPr id="5128" name="Picture 8">
-              <a:extLst>
-                <a:ext uri="{FF2B5EF4-FFF2-40B4-BE49-F238E27FC236}">
-                  <a16:creationId xmlns:a16="http://schemas.microsoft.com/office/drawing/2014/main" id="{7EBF7802-76F1-59AC-5BBD-D783F748CC13}"/>
-                </a:ext>
-              </a:extLst>
-            </p:cNvPr>
-            <p:cNvPicPr>
-              <a:picLocks noChangeAspect="1" noChangeArrowheads="1"/>
-            </p:cNvPicPr>
-            <p:nvPr/>
-          </p:nvPicPr>
-          <p:blipFill>
-            <a:blip r:embed="rId4">
-              <a:extLst>
-                <a:ext uri="{28A0092B-C50C-407E-A947-70E740481C1C}">
-                  <a14:useLocalDpi xmlns:a14="http://schemas.microsoft.com/office/drawing/2010/main" val="0"/>
-                </a:ext>
-              </a:extLst>
-            </a:blip>
-            <a:srcRect/>
-            <a:stretch>
-              <a:fillRect/>
-            </a:stretch>
-          </p:blipFill>
-          <p:spPr bwMode="auto">
-            <a:xfrm>
-              <a:off x="1438118" y="2012255"/>
-              <a:ext cx="3629025" cy="1352550"/>
-            </a:xfrm>
-            <a:prstGeom prst="rect">
-              <a:avLst/>
-            </a:prstGeom>
-            <a:noFill/>
-            <a:extLst>
-              <a:ext uri="{909E8E84-426E-40DD-AFC4-6F175D3DCCD1}">
-                <a14:hiddenFill xmlns:a14="http://schemas.microsoft.com/office/drawing/2010/main">
-                  <a:solidFill>
-                    <a:srgbClr val="FFFFFF"/>
-                  </a:solidFill>
-                </a14:hiddenFill>
-              </a:ext>
-            </a:extLst>
-          </p:spPr>
-        </p:pic>
-        <p:pic>
-          <p:nvPicPr>
-            <p:cNvPr id="7172" name="Picture 4">
-              <a:extLst>
-                <a:ext uri="{FF2B5EF4-FFF2-40B4-BE49-F238E27FC236}">
-                  <a16:creationId xmlns:a16="http://schemas.microsoft.com/office/drawing/2014/main" id="{B58DB94D-5FC6-ECA0-8850-5979B0521F51}"/>
-                </a:ext>
-              </a:extLst>
-            </p:cNvPr>
-            <p:cNvPicPr>
-              <a:picLocks noChangeAspect="1" noChangeArrowheads="1"/>
-            </p:cNvPicPr>
-            <p:nvPr/>
-          </p:nvPicPr>
-          <p:blipFill>
-            <a:blip r:embed="rId5">
-              <a:extLst>
-                <a:ext uri="{28A0092B-C50C-407E-A947-70E740481C1C}">
-                  <a14:useLocalDpi xmlns:a14="http://schemas.microsoft.com/office/drawing/2010/main" val="0"/>
-                </a:ext>
-              </a:extLst>
-            </a:blip>
-            <a:srcRect/>
-            <a:stretch>
-              <a:fillRect/>
-            </a:stretch>
-          </p:blipFill>
-          <p:spPr bwMode="auto">
-            <a:xfrm>
-              <a:off x="6149025" y="2107505"/>
-              <a:ext cx="1343025" cy="1162050"/>
-            </a:xfrm>
-            <a:prstGeom prst="rect">
-              <a:avLst/>
-            </a:prstGeom>
-            <a:noFill/>
-            <a:extLst>
-              <a:ext uri="{909E8E84-426E-40DD-AFC4-6F175D3DCCD1}">
-                <a14:hiddenFill xmlns:a14="http://schemas.microsoft.com/office/drawing/2010/main">
-                  <a:solidFill>
-                    <a:srgbClr val="FFFFFF"/>
-                  </a:solidFill>
-                </a14:hiddenFill>
-              </a:ext>
-            </a:extLst>
-          </p:spPr>
-        </p:pic>
-        <p:pic>
-          <p:nvPicPr>
-            <p:cNvPr id="7174" name="Picture 6">
-              <a:extLst>
-                <a:ext uri="{FF2B5EF4-FFF2-40B4-BE49-F238E27FC236}">
-                  <a16:creationId xmlns:a16="http://schemas.microsoft.com/office/drawing/2014/main" id="{0AC58A0F-4FE6-0242-3BF1-9A2DB1BA2BEB}"/>
-                </a:ext>
-              </a:extLst>
-            </p:cNvPr>
-            <p:cNvPicPr>
-              <a:picLocks noChangeAspect="1" noChangeArrowheads="1"/>
-            </p:cNvPicPr>
-            <p:nvPr/>
-          </p:nvPicPr>
-          <p:blipFill>
-            <a:blip r:embed="rId6">
-              <a:extLst>
-                <a:ext uri="{28A0092B-C50C-407E-A947-70E740481C1C}">
-                  <a14:useLocalDpi xmlns:a14="http://schemas.microsoft.com/office/drawing/2010/main" val="0"/>
-                </a:ext>
-              </a:extLst>
-            </a:blip>
-            <a:srcRect/>
-            <a:stretch/>
-          </p:blipFill>
-          <p:spPr bwMode="auto">
-            <a:xfrm>
-              <a:off x="8573932" y="2088455"/>
-              <a:ext cx="1388095" cy="1181100"/>
-            </a:xfrm>
-            <a:prstGeom prst="rect">
-              <a:avLst/>
-            </a:prstGeom>
-            <a:noFill/>
-            <a:extLst>
-              <a:ext uri="{909E8E84-426E-40DD-AFC4-6F175D3DCCD1}">
-                <a14:hiddenFill xmlns:a14="http://schemas.microsoft.com/office/drawing/2010/main">
-                  <a:solidFill>
-                    <a:srgbClr val="FFFFFF"/>
-                  </a:solidFill>
-                </a14:hiddenFill>
-              </a:ext>
-            </a:extLst>
-          </p:spPr>
-        </p:pic>
-      </p:grpSp>
-    </p:spTree>
-    <p:extLst>
-      <p:ext uri="{BB962C8B-B14F-4D97-AF65-F5344CB8AC3E}">
-        <p14:creationId xmlns:p14="http://schemas.microsoft.com/office/powerpoint/2010/main" val="4072107092"/>
       </p:ext>
     </p:extLst>
   </p:cSld>

--- a/sample_ppt/math_simple.pptx
+++ b/sample_ppt/math_simple.pptx
@@ -206,7 +206,7 @@
           <a:p>
             <a:fld id="{6AF810A6-5DC3-41BA-B9AF-1AFC43B9B844}" type="datetimeFigureOut">
               <a:rPr lang="ko-KR" altLang="en-US" smtClean="0"/>
-              <a:t>2026-01-16</a:t>
+              <a:t>2026-01-23</a:t>
             </a:fld>
             <a:endParaRPr lang="ko-KR" altLang="en-US"/>
           </a:p>
@@ -952,7 +952,7 @@
           <a:p>
             <a:fld id="{5089586E-BD85-40F7-91D0-2D30F22E1420}" type="datetime1">
               <a:rPr lang="ko-KR" altLang="en-US" smtClean="0"/>
-              <a:t>2026-01-16</a:t>
+              <a:t>2026-01-23</a:t>
             </a:fld>
             <a:endParaRPr lang="ko-KR" altLang="en-US"/>
           </a:p>
@@ -1150,7 +1150,7 @@
           <a:p>
             <a:fld id="{227C3C5F-4006-4632-B3DE-1A450914749C}" type="datetime1">
               <a:rPr lang="ko-KR" altLang="en-US" smtClean="0"/>
-              <a:t>2026-01-16</a:t>
+              <a:t>2026-01-23</a:t>
             </a:fld>
             <a:endParaRPr lang="ko-KR" altLang="en-US"/>
           </a:p>
@@ -1358,7 +1358,7 @@
           <a:p>
             <a:fld id="{DC02F847-FBC0-40A1-9801-1A7F5DBD685C}" type="datetime1">
               <a:rPr lang="ko-KR" altLang="en-US" smtClean="0"/>
-              <a:t>2026-01-16</a:t>
+              <a:t>2026-01-23</a:t>
             </a:fld>
             <a:endParaRPr lang="ko-KR" altLang="en-US"/>
           </a:p>
@@ -1616,7 +1616,7 @@
           <a:p>
             <a:fld id="{7C69DA4C-6DB5-4971-83A0-D7A667832670}" type="datetime1">
               <a:rPr lang="ko-KR" altLang="en-US" smtClean="0"/>
-              <a:t>2026-01-16</a:t>
+              <a:t>2026-01-23</a:t>
             </a:fld>
             <a:endParaRPr lang="ko-KR" altLang="en-US" dirty="0"/>
           </a:p>
@@ -1901,7 +1901,7 @@
           <a:p>
             <a:fld id="{A445D7E9-20A9-49C9-9C3A-2ABAF3661646}" type="datetime1">
               <a:rPr lang="ko-KR" altLang="en-US" smtClean="0"/>
-              <a:t>2026-01-16</a:t>
+              <a:t>2026-01-23</a:t>
             </a:fld>
             <a:endParaRPr lang="ko-KR" altLang="en-US"/>
           </a:p>
@@ -2166,7 +2166,7 @@
           <a:p>
             <a:fld id="{624A77D6-389E-4385-B919-32520EBBB886}" type="datetime1">
               <a:rPr lang="ko-KR" altLang="en-US" smtClean="0"/>
-              <a:t>2026-01-16</a:t>
+              <a:t>2026-01-23</a:t>
             </a:fld>
             <a:endParaRPr lang="ko-KR" altLang="en-US"/>
           </a:p>
@@ -2578,7 +2578,7 @@
           <a:p>
             <a:fld id="{359C83EB-4379-4C4A-A729-83BED85011BC}" type="datetime1">
               <a:rPr lang="ko-KR" altLang="en-US" smtClean="0"/>
-              <a:t>2026-01-16</a:t>
+              <a:t>2026-01-23</a:t>
             </a:fld>
             <a:endParaRPr lang="ko-KR" altLang="en-US"/>
           </a:p>
@@ -2719,7 +2719,7 @@
           <a:p>
             <a:fld id="{5545A2FA-8E15-452C-BCBA-7138BF312C2F}" type="datetime1">
               <a:rPr lang="ko-KR" altLang="en-US" smtClean="0"/>
-              <a:t>2026-01-16</a:t>
+              <a:t>2026-01-23</a:t>
             </a:fld>
             <a:endParaRPr lang="ko-KR" altLang="en-US"/>
           </a:p>
@@ -2832,7 +2832,7 @@
           <a:p>
             <a:fld id="{DC176177-E219-4A9E-8B2B-5E34E3322412}" type="datetime1">
               <a:rPr lang="ko-KR" altLang="en-US" smtClean="0"/>
-              <a:t>2026-01-16</a:t>
+              <a:t>2026-01-23</a:t>
             </a:fld>
             <a:endParaRPr lang="ko-KR" altLang="en-US"/>
           </a:p>
@@ -3143,7 +3143,7 @@
           <a:p>
             <a:fld id="{05B36191-433A-4CBD-B79B-1FD571FC08F0}" type="datetime1">
               <a:rPr lang="ko-KR" altLang="en-US" smtClean="0"/>
-              <a:t>2026-01-16</a:t>
+              <a:t>2026-01-23</a:t>
             </a:fld>
             <a:endParaRPr lang="ko-KR" altLang="en-US"/>
           </a:p>
@@ -3431,7 +3431,7 @@
           <a:p>
             <a:fld id="{92B00B89-E558-46DB-9986-9528BDBC138C}" type="datetime1">
               <a:rPr lang="ko-KR" altLang="en-US" smtClean="0"/>
-              <a:t>2026-01-16</a:t>
+              <a:t>2026-01-23</a:t>
             </a:fld>
             <a:endParaRPr lang="ko-KR" altLang="en-US"/>
           </a:p>
@@ -3672,7 +3672,7 @@
           <a:p>
             <a:fld id="{3027570D-6A7A-4AF9-B8FF-A0876744ADD1}" type="datetime1">
               <a:rPr lang="ko-KR" altLang="en-US" smtClean="0"/>
-              <a:t>2026-01-16</a:t>
+              <a:t>2026-01-23</a:t>
             </a:fld>
             <a:endParaRPr lang="ko-KR" altLang="en-US"/>
           </a:p>
